--- a/pythonBeginnerLecture/PythonPart4.pptx
+++ b/pythonBeginnerLecture/PythonPart4.pptx
@@ -267,7 +267,7 @@
           <a:p>
             <a:fld id="{C075C123-D6CD-4046-9E13-CA7186604EF0}" type="datetimeFigureOut">
               <a:rPr lang="zh-CN" altLang="en-US" smtClean="0"/>
-              <a:t>2020/12/26</a:t>
+              <a:t>2020/12/27</a:t>
             </a:fld>
             <a:endParaRPr lang="zh-CN" altLang="en-US"/>
           </a:p>
@@ -432,7 +432,7 @@
           <a:p>
             <a:fld id="{9E26DC34-D585-42D5-89F7-991AD639A885}" type="datetimeFigureOut">
               <a:rPr lang="zh-CN" altLang="en-US" smtClean="0"/>
-              <a:t>2020/12/26</a:t>
+              <a:t>2020/12/27</a:t>
             </a:fld>
             <a:endParaRPr lang="zh-CN" altLang="en-US"/>
           </a:p>
@@ -14215,7 +14215,7 @@
           </a:ln>
           <a:extLst>
             <a:ext uri="{C572A759-6A51-4108-AA02-DFA0A04FC94B}">
-              <ma14:wrappingTextBoxFlag xmlns="" xmlns:ma14="http://schemas.microsoft.com/office/mac/drawingml/2011/main" val="1"/>
+              <ma14:wrappingTextBoxFlag xmlns:ma14="http://schemas.microsoft.com/office/mac/drawingml/2011/main" xmlns="" val="1"/>
             </a:ext>
           </a:extLst>
         </p:spPr>
@@ -14776,7 +14776,7 @@
           </a:ln>
           <a:extLst>
             <a:ext uri="{C572A759-6A51-4108-AA02-DFA0A04FC94B}">
-              <ma14:wrappingTextBoxFlag xmlns="" xmlns:ma14="http://schemas.microsoft.com/office/mac/drawingml/2011/main" val="1"/>
+              <ma14:wrappingTextBoxFlag xmlns:ma14="http://schemas.microsoft.com/office/mac/drawingml/2011/main" xmlns="" val="1"/>
             </a:ext>
           </a:extLst>
         </p:spPr>
@@ -15289,7 +15289,7 @@
           </a:ln>
           <a:extLst>
             <a:ext uri="{C572A759-6A51-4108-AA02-DFA0A04FC94B}">
-              <ma14:wrappingTextBoxFlag xmlns="" xmlns:ma14="http://schemas.microsoft.com/office/mac/drawingml/2011/main" val="1"/>
+              <ma14:wrappingTextBoxFlag xmlns:ma14="http://schemas.microsoft.com/office/mac/drawingml/2011/main" xmlns="" val="1"/>
             </a:ext>
           </a:extLst>
         </p:spPr>
@@ -17803,7 +17803,7 @@
           </a:ln>
           <a:extLst>
             <a:ext uri="{C572A759-6A51-4108-AA02-DFA0A04FC94B}">
-              <ma14:wrappingTextBoxFlag xmlns="" xmlns:ma14="http://schemas.microsoft.com/office/mac/drawingml/2011/main" val="1"/>
+              <ma14:wrappingTextBoxFlag xmlns:ma14="http://schemas.microsoft.com/office/mac/drawingml/2011/main" xmlns="" val="1"/>
             </a:ext>
           </a:extLst>
         </p:spPr>
@@ -18120,7 +18120,7 @@
           </a:ln>
           <a:extLst>
             <a:ext uri="{C572A759-6A51-4108-AA02-DFA0A04FC94B}">
-              <ma14:wrappingTextBoxFlag xmlns="" xmlns:ma14="http://schemas.microsoft.com/office/mac/drawingml/2011/main" val="1"/>
+              <ma14:wrappingTextBoxFlag xmlns:ma14="http://schemas.microsoft.com/office/mac/drawingml/2011/main" xmlns="" val="1"/>
             </a:ext>
           </a:extLst>
         </p:spPr>
@@ -18411,7 +18411,7 @@
           </a:ln>
           <a:extLst>
             <a:ext uri="{C572A759-6A51-4108-AA02-DFA0A04FC94B}">
-              <ma14:wrappingTextBoxFlag xmlns="" xmlns:ma14="http://schemas.microsoft.com/office/mac/drawingml/2011/main" val="1"/>
+              <ma14:wrappingTextBoxFlag xmlns:ma14="http://schemas.microsoft.com/office/mac/drawingml/2011/main" xmlns="" val="1"/>
             </a:ext>
           </a:extLst>
         </p:spPr>
@@ -18750,7 +18750,7 @@
           </a:ln>
           <a:extLst>
             <a:ext uri="{C572A759-6A51-4108-AA02-DFA0A04FC94B}">
-              <ma14:wrappingTextBoxFlag xmlns="" xmlns:ma14="http://schemas.microsoft.com/office/mac/drawingml/2011/main" val="1"/>
+              <ma14:wrappingTextBoxFlag xmlns:ma14="http://schemas.microsoft.com/office/mac/drawingml/2011/main" xmlns="" val="1"/>
             </a:ext>
           </a:extLst>
         </p:spPr>
@@ -19087,7 +19087,7 @@
           </a:ln>
           <a:extLst>
             <a:ext uri="{C572A759-6A51-4108-AA02-DFA0A04FC94B}">
-              <ma14:wrappingTextBoxFlag xmlns="" xmlns:ma14="http://schemas.microsoft.com/office/mac/drawingml/2011/main" val="1"/>
+              <ma14:wrappingTextBoxFlag xmlns:ma14="http://schemas.microsoft.com/office/mac/drawingml/2011/main" xmlns="" val="1"/>
             </a:ext>
           </a:extLst>
         </p:spPr>
@@ -34048,8 +34048,8 @@
       </p:transition>
     </mc:Fallback>
   </mc:AlternateContent>
-  <mc:AlternateContent xmlns:mc="http://schemas.openxmlformats.org/markup-compatibility/2006">
-    <mc:Choice xmlns:p14="http://schemas.microsoft.com/office/powerpoint/2010/main" Requires="p14">
+  <mc:AlternateContent xmlns:mc="http://schemas.openxmlformats.org/markup-compatibility/2006" xmlns:p14="http://schemas.microsoft.com/office/powerpoint/2010/main">
+    <mc:Choice Requires="p14">
       <p:timing>
         <p:tnLst>
           <p:par>
@@ -34710,7 +34710,7 @@
         </p:bldLst>
       </p:timing>
     </mc:Choice>
-    <mc:Fallback>
+    <mc:Fallback xmlns="">
       <p:timing>
         <p:tnLst>
           <p:par>
@@ -35458,7 +35458,7 @@
           </a:ln>
           <a:extLst>
             <a:ext uri="{C572A759-6A51-4108-AA02-DFA0A04FC94B}">
-              <ma14:wrappingTextBoxFlag xmlns="" xmlns:ma14="http://schemas.microsoft.com/office/mac/drawingml/2011/main" val="1"/>
+              <ma14:wrappingTextBoxFlag xmlns:ma14="http://schemas.microsoft.com/office/mac/drawingml/2011/main" xmlns="" val="1"/>
             </a:ext>
           </a:extLst>
         </p:spPr>
@@ -35834,7 +35834,7 @@
           </a:ln>
           <a:extLst>
             <a:ext uri="{C572A759-6A51-4108-AA02-DFA0A04FC94B}">
-              <ma14:wrappingTextBoxFlag xmlns="" xmlns:ma14="http://schemas.microsoft.com/office/mac/drawingml/2011/main" val="1"/>
+              <ma14:wrappingTextBoxFlag xmlns:ma14="http://schemas.microsoft.com/office/mac/drawingml/2011/main" xmlns="" val="1"/>
             </a:ext>
           </a:extLst>
         </p:spPr>
@@ -36207,7 +36207,7 @@
           </a:ln>
           <a:extLst>
             <a:ext uri="{C572A759-6A51-4108-AA02-DFA0A04FC94B}">
-              <ma14:wrappingTextBoxFlag xmlns="" xmlns:ma14="http://schemas.microsoft.com/office/mac/drawingml/2011/main" val="1"/>
+              <ma14:wrappingTextBoxFlag xmlns:ma14="http://schemas.microsoft.com/office/mac/drawingml/2011/main" xmlns="" val="1"/>
             </a:ext>
           </a:extLst>
         </p:spPr>
